--- a/Kolloquium.pptx
+++ b/Kolloquium.pptx
@@ -17337,7 +17337,7 @@
           <a:p>
             <a:fld id="{7339104A-ED7F-4AAC-B2D2-B05A7EAAF654}" type="datetimeFigureOut">
               <a:rPr lang="de-DE" smtClean="0"/>
-              <a:t>02.12.2019</a:t>
+              <a:t>03.12.2019</a:t>
             </a:fld>
             <a:endParaRPr lang="de-DE"/>
           </a:p>
@@ -17515,7 +17515,7 @@
           <a:p>
             <a:fld id="{50D9A210-00CA-438F-AE62-D3B854C52F54}" type="datetimeFigureOut">
               <a:rPr lang="de-DE" smtClean="0"/>
-              <a:t>02.12.2019</a:t>
+              <a:t>03.12.2019</a:t>
             </a:fld>
             <a:endParaRPr lang="de-DE"/>
           </a:p>
@@ -24215,7 +24215,7 @@
             </a:r>
             <a:r>
               <a:rPr lang="de-DE" dirty="0"/>
-              <a:t> Neoj4</a:t>
+              <a:t> Neo4j</a:t>
             </a:r>
           </a:p>
         </p:txBody>

--- a/Kolloquium.pptx
+++ b/Kolloquium.pptx
@@ -24036,41 +24036,6 @@
           </a:p>
         </p:txBody>
       </p:sp>
-      <p:pic>
-        <p:nvPicPr>
-          <p:cNvPr id="16" name="Inhaltsplatzhalter 15" descr="Ein Bild, das Uhr enthält.&#10;&#10;Automatisch generierte Beschreibung">
-            <a:extLst>
-              <a:ext uri="{FF2B5EF4-FFF2-40B4-BE49-F238E27FC236}">
-                <a16:creationId xmlns:a16="http://schemas.microsoft.com/office/drawing/2014/main" id="{97CE6AA9-0779-413A-AE59-0E30531B226B}"/>
-              </a:ext>
-            </a:extLst>
-          </p:cNvPr>
-          <p:cNvPicPr>
-            <a:picLocks noGrp="1" noChangeAspect="1"/>
-          </p:cNvPicPr>
-          <p:nvPr>
-            <p:ph idx="1"/>
-          </p:nvPr>
-        </p:nvPicPr>
-        <p:blipFill>
-          <a:blip r:embed="rId2">
-            <a:extLst>
-              <a:ext uri="{28A0092B-C50C-407E-A947-70E740481C1C}">
-                <a14:useLocalDpi xmlns:a14="http://schemas.microsoft.com/office/drawing/2010/main" val="0"/>
-              </a:ext>
-            </a:extLst>
-          </a:blip>
-          <a:stretch>
-            <a:fillRect/>
-          </a:stretch>
-        </p:blipFill>
-        <p:spPr>
-          <a:xfrm>
-            <a:off x="2373621" y="1846263"/>
-            <a:ext cx="7505083" cy="4022725"/>
-          </a:xfrm>
-        </p:spPr>
-      </p:pic>
       <p:sp>
         <p:nvSpPr>
           <p:cNvPr id="3" name="Datumsplatzhalter 2">
@@ -24156,6 +24121,41 @@
           </a:p>
         </p:txBody>
       </p:sp>
+      <p:pic>
+        <p:nvPicPr>
+          <p:cNvPr id="8" name="Inhaltsplatzhalter 7" descr="Ein Bild, das Uhr enthält.&#10;&#10;Automatisch generierte Beschreibung">
+            <a:extLst>
+              <a:ext uri="{FF2B5EF4-FFF2-40B4-BE49-F238E27FC236}">
+                <a16:creationId xmlns:a16="http://schemas.microsoft.com/office/drawing/2014/main" id="{216C4A74-ACCA-4141-9088-DFC4D2AE89FA}"/>
+              </a:ext>
+            </a:extLst>
+          </p:cNvPr>
+          <p:cNvPicPr>
+            <a:picLocks noGrp="1" noChangeAspect="1"/>
+          </p:cNvPicPr>
+          <p:nvPr>
+            <p:ph idx="1"/>
+          </p:nvPr>
+        </p:nvPicPr>
+        <p:blipFill>
+          <a:blip r:embed="rId2">
+            <a:extLst>
+              <a:ext uri="{28A0092B-C50C-407E-A947-70E740481C1C}">
+                <a14:useLocalDpi xmlns:a14="http://schemas.microsoft.com/office/drawing/2010/main" val="0"/>
+              </a:ext>
+            </a:extLst>
+          </a:blip>
+          <a:stretch>
+            <a:fillRect/>
+          </a:stretch>
+        </p:blipFill>
+        <p:spPr>
+          <a:xfrm>
+            <a:off x="2373621" y="1846263"/>
+            <a:ext cx="7505083" cy="4022725"/>
+          </a:xfrm>
+        </p:spPr>
+      </p:pic>
     </p:spTree>
     <p:extLst>
       <p:ext uri="{BB962C8B-B14F-4D97-AF65-F5344CB8AC3E}">
